--- a/File PPT dan Laporan Progres/2341720088_Muhammad Irsyad Dimas Abdillah_PPT Sisop.pptx
+++ b/File PPT dan Laporan Progres/2341720088_Muhammad Irsyad Dimas Abdillah_PPT Sisop.pptx
@@ -3505,7 +3505,7 @@
         <p:spPr>
           <a:xfrm rot="0">
             <a:off x="4454412" y="141806"/>
-            <a:ext cx="9553133" cy="606388"/>
+            <a:ext cx="9553133" cy="606425"/>
           </a:xfrm>
           <a:prstGeom prst="rect">
             <a:avLst/>
@@ -3529,16 +3529,7 @@
                 </a:solidFill>
                 <a:latin typeface="Montnapha"/>
               </a:rPr>
-              <a:t>Presentasi oleh Kiki Fransiska</a:t>
-            </a:r>
-            <a:r>
-              <a:rPr lang="en-US" sz="3500">
-                <a:solidFill>
-                  <a:srgbClr val="1B3344"/>
-                </a:solidFill>
-                <a:latin typeface="Montnapha"/>
-              </a:rPr>
-              <a:t> </a:t>
+              <a:t>Presentasi oleh Irsyad Dimas</a:t>
             </a:r>
           </a:p>
         </p:txBody>
